--- a/Valley Metro-Group Project 1-Team 1.pptx
+++ b/Valley Metro-Group Project 1-Team 1.pptx
@@ -6,6 +6,12 @@
   </p:sldMasterIdLst>
   <p:sldIdLst>
     <p:sldId id="256" r:id="rId2"/>
+    <p:sldId id="257" r:id="rId3"/>
+    <p:sldId id="260" r:id="rId4"/>
+    <p:sldId id="258" r:id="rId5"/>
+    <p:sldId id="261" r:id="rId6"/>
+    <p:sldId id="259" r:id="rId7"/>
+    <p:sldId id="262" r:id="rId8"/>
   </p:sldIdLst>
   <p:sldSz cx="12192000" cy="6858000"/>
   <p:notesSz cx="6858000" cy="9144000"/>
@@ -104,6 +110,11 @@
       </a:defRPr>
     </a:lvl9pPr>
   </p:defaultTextStyle>
+  <p:extLst>
+    <p:ext uri="{EFAFB233-063F-42B5-8137-9DF3F51BA10A}">
+      <p15:sldGuideLst xmlns:p15="http://schemas.microsoft.com/office/powerpoint/2012/main"/>
+    </p:ext>
+  </p:extLst>
 </p:presentation>
 </file>
 
@@ -290,7 +301,7 @@
           <a:p>
             <a:fld id="{4843328D-7DE1-48C3-B028-5CCAA95B796C}" type="datetimeFigureOut">
               <a:rPr lang="en-US" smtClean="0"/>
-              <a:t>7/25/2020</a:t>
+              <a:t>8/1/2020</a:t>
             </a:fld>
             <a:endParaRPr lang="en-US"/>
           </a:p>
@@ -565,7 +576,7 @@
           <a:p>
             <a:fld id="{4843328D-7DE1-48C3-B028-5CCAA95B796C}" type="datetimeFigureOut">
               <a:rPr lang="en-US" smtClean="0"/>
-              <a:t>7/25/2020</a:t>
+              <a:t>8/1/2020</a:t>
             </a:fld>
             <a:endParaRPr lang="en-US"/>
           </a:p>
@@ -759,7 +770,7 @@
           <a:p>
             <a:fld id="{4843328D-7DE1-48C3-B028-5CCAA95B796C}" type="datetimeFigureOut">
               <a:rPr lang="en-US" smtClean="0"/>
-              <a:t>7/25/2020</a:t>
+              <a:t>8/1/2020</a:t>
             </a:fld>
             <a:endParaRPr lang="en-US"/>
           </a:p>
@@ -1027,7 +1038,7 @@
           <a:p>
             <a:fld id="{4843328D-7DE1-48C3-B028-5CCAA95B796C}" type="datetimeFigureOut">
               <a:rPr lang="en-US" smtClean="0"/>
-              <a:t>7/25/2020</a:t>
+              <a:t>8/1/2020</a:t>
             </a:fld>
             <a:endParaRPr lang="en-US"/>
           </a:p>
@@ -1359,7 +1370,7 @@
           <a:p>
             <a:fld id="{4843328D-7DE1-48C3-B028-5CCAA95B796C}" type="datetimeFigureOut">
               <a:rPr lang="en-US" smtClean="0"/>
-              <a:t>7/25/2020</a:t>
+              <a:t>8/1/2020</a:t>
             </a:fld>
             <a:endParaRPr lang="en-US"/>
           </a:p>
@@ -1969,7 +1980,7 @@
           <a:p>
             <a:fld id="{4843328D-7DE1-48C3-B028-5CCAA95B796C}" type="datetimeFigureOut">
               <a:rPr lang="en-US" smtClean="0"/>
-              <a:t>7/25/2020</a:t>
+              <a:t>8/1/2020</a:t>
             </a:fld>
             <a:endParaRPr lang="en-US"/>
           </a:p>
@@ -2816,7 +2827,7 @@
           <a:p>
             <a:fld id="{4843328D-7DE1-48C3-B028-5CCAA95B796C}" type="datetimeFigureOut">
               <a:rPr lang="en-US" smtClean="0"/>
-              <a:t>7/25/2020</a:t>
+              <a:t>8/1/2020</a:t>
             </a:fld>
             <a:endParaRPr lang="en-US"/>
           </a:p>
@@ -2986,7 +2997,7 @@
           <a:p>
             <a:fld id="{4843328D-7DE1-48C3-B028-5CCAA95B796C}" type="datetimeFigureOut">
               <a:rPr lang="en-US" smtClean="0"/>
-              <a:t>7/25/2020</a:t>
+              <a:t>8/1/2020</a:t>
             </a:fld>
             <a:endParaRPr lang="en-US"/>
           </a:p>
@@ -3166,7 +3177,7 @@
           <a:p>
             <a:fld id="{4843328D-7DE1-48C3-B028-5CCAA95B796C}" type="datetimeFigureOut">
               <a:rPr lang="en-US" smtClean="0"/>
-              <a:t>7/25/2020</a:t>
+              <a:t>8/1/2020</a:t>
             </a:fld>
             <a:endParaRPr lang="en-US"/>
           </a:p>
@@ -3336,7 +3347,7 @@
           <a:p>
             <a:fld id="{4843328D-7DE1-48C3-B028-5CCAA95B796C}" type="datetimeFigureOut">
               <a:rPr lang="en-US" smtClean="0"/>
-              <a:t>7/25/2020</a:t>
+              <a:t>8/1/2020</a:t>
             </a:fld>
             <a:endParaRPr lang="en-US"/>
           </a:p>
@@ -3580,7 +3591,7 @@
           <a:p>
             <a:fld id="{4843328D-7DE1-48C3-B028-5CCAA95B796C}" type="datetimeFigureOut">
               <a:rPr lang="en-US" smtClean="0"/>
-              <a:t>7/25/2020</a:t>
+              <a:t>8/1/2020</a:t>
             </a:fld>
             <a:endParaRPr lang="en-US"/>
           </a:p>
@@ -3872,7 +3883,7 @@
           <a:p>
             <a:fld id="{4843328D-7DE1-48C3-B028-5CCAA95B796C}" type="datetimeFigureOut">
               <a:rPr lang="en-US" smtClean="0"/>
-              <a:t>7/25/2020</a:t>
+              <a:t>8/1/2020</a:t>
             </a:fld>
             <a:endParaRPr lang="en-US"/>
           </a:p>
@@ -4310,7 +4321,7 @@
           <a:p>
             <a:fld id="{4843328D-7DE1-48C3-B028-5CCAA95B796C}" type="datetimeFigureOut">
               <a:rPr lang="en-US" smtClean="0"/>
-              <a:t>7/25/2020</a:t>
+              <a:t>8/1/2020</a:t>
             </a:fld>
             <a:endParaRPr lang="en-US"/>
           </a:p>
@@ -4428,7 +4439,7 @@
           <a:p>
             <a:fld id="{4843328D-7DE1-48C3-B028-5CCAA95B796C}" type="datetimeFigureOut">
               <a:rPr lang="en-US" smtClean="0"/>
-              <a:t>7/25/2020</a:t>
+              <a:t>8/1/2020</a:t>
             </a:fld>
             <a:endParaRPr lang="en-US"/>
           </a:p>
@@ -4523,7 +4534,7 @@
           <a:p>
             <a:fld id="{4843328D-7DE1-48C3-B028-5CCAA95B796C}" type="datetimeFigureOut">
               <a:rPr lang="en-US" smtClean="0"/>
-              <a:t>7/25/2020</a:t>
+              <a:t>8/1/2020</a:t>
             </a:fld>
             <a:endParaRPr lang="en-US"/>
           </a:p>
@@ -4802,7 +4813,7 @@
           <a:p>
             <a:fld id="{4843328D-7DE1-48C3-B028-5CCAA95B796C}" type="datetimeFigureOut">
               <a:rPr lang="en-US" smtClean="0"/>
-              <a:t>7/25/2020</a:t>
+              <a:t>8/1/2020</a:t>
             </a:fld>
             <a:endParaRPr lang="en-US"/>
           </a:p>
@@ -5077,7 +5088,7 @@
           <a:p>
             <a:fld id="{4843328D-7DE1-48C3-B028-5CCAA95B796C}" type="datetimeFigureOut">
               <a:rPr lang="en-US" smtClean="0"/>
-              <a:t>7/25/2020</a:t>
+              <a:t>8/1/2020</a:t>
             </a:fld>
             <a:endParaRPr lang="en-US"/>
           </a:p>
@@ -5506,7 +5517,7 @@
           <a:p>
             <a:fld id="{4843328D-7DE1-48C3-B028-5CCAA95B796C}" type="datetimeFigureOut">
               <a:rPr lang="en-US" smtClean="0"/>
-              <a:t>7/25/2020</a:t>
+              <a:t>8/1/2020</a:t>
             </a:fld>
             <a:endParaRPr lang="en-US"/>
           </a:p>
@@ -6084,6 +6095,576 @@
 </p:sld>
 </file>
 
+<file path=ppt/slides/slide2.xml><?xml version="1.0" encoding="utf-8"?>
+<p:sld xmlns:a="http://schemas.openxmlformats.org/drawingml/2006/main" xmlns:r="http://schemas.openxmlformats.org/officeDocument/2006/relationships" xmlns:p="http://schemas.openxmlformats.org/presentationml/2006/main">
+  <p:cSld>
+    <p:spTree>
+      <p:nvGrpSpPr>
+        <p:cNvPr id="1" name=""/>
+        <p:cNvGrpSpPr/>
+        <p:nvPr/>
+      </p:nvGrpSpPr>
+      <p:grpSpPr>
+        <a:xfrm>
+          <a:off x="0" y="0"/>
+          <a:ext cx="0" cy="0"/>
+          <a:chOff x="0" y="0"/>
+          <a:chExt cx="0" cy="0"/>
+        </a:xfrm>
+      </p:grpSpPr>
+      <p:sp>
+        <p:nvSpPr>
+          <p:cNvPr id="2" name="Title 1">
+            <a:extLst>
+              <a:ext uri="{FF2B5EF4-FFF2-40B4-BE49-F238E27FC236}">
+                <a16:creationId xmlns:a16="http://schemas.microsoft.com/office/drawing/2014/main" id="{8B1F9329-A461-4F25-9BEE-02D3BBBD3DC9}"/>
+              </a:ext>
+            </a:extLst>
+          </p:cNvPr>
+          <p:cNvSpPr>
+            <a:spLocks noGrp="1"/>
+          </p:cNvSpPr>
+          <p:nvPr>
+            <p:ph type="title"/>
+          </p:nvPr>
+        </p:nvSpPr>
+        <p:spPr/>
+        <p:txBody>
+          <a:bodyPr/>
+          <a:lstStyle/>
+          <a:p>
+            <a:r>
+              <a:rPr lang="en-US"/>
+              <a:t>COVID Impact</a:t>
+            </a:r>
+            <a:endParaRPr lang="en-US" dirty="0"/>
+          </a:p>
+        </p:txBody>
+      </p:sp>
+      <p:pic>
+        <p:nvPicPr>
+          <p:cNvPr id="8" name="Picture 7">
+            <a:extLst>
+              <a:ext uri="{FF2B5EF4-FFF2-40B4-BE49-F238E27FC236}">
+                <a16:creationId xmlns:a16="http://schemas.microsoft.com/office/drawing/2014/main" id="{AD496699-D267-463C-BD83-FC985ADECB4C}"/>
+              </a:ext>
+            </a:extLst>
+          </p:cNvPr>
+          <p:cNvPicPr>
+            <a:picLocks noChangeAspect="1"/>
+          </p:cNvPicPr>
+          <p:nvPr/>
+        </p:nvPicPr>
+        <p:blipFill>
+          <a:blip r:embed="rId2"/>
+          <a:stretch>
+            <a:fillRect/>
+          </a:stretch>
+        </p:blipFill>
+        <p:spPr>
+          <a:xfrm>
+            <a:off x="382684" y="2328146"/>
+            <a:ext cx="11202231" cy="2392075"/>
+          </a:xfrm>
+          <a:prstGeom prst="rect">
+            <a:avLst/>
+          </a:prstGeom>
+        </p:spPr>
+      </p:pic>
+    </p:spTree>
+    <p:extLst>
+      <p:ext uri="{BB962C8B-B14F-4D97-AF65-F5344CB8AC3E}">
+        <p14:creationId xmlns:p14="http://schemas.microsoft.com/office/powerpoint/2010/main" val="1932844973"/>
+      </p:ext>
+    </p:extLst>
+  </p:cSld>
+  <p:clrMapOvr>
+    <a:masterClrMapping/>
+  </p:clrMapOvr>
+</p:sld>
+</file>
+
+<file path=ppt/slides/slide3.xml><?xml version="1.0" encoding="utf-8"?>
+<p:sld xmlns:a="http://schemas.openxmlformats.org/drawingml/2006/main" xmlns:r="http://schemas.openxmlformats.org/officeDocument/2006/relationships" xmlns:p="http://schemas.openxmlformats.org/presentationml/2006/main">
+  <p:cSld>
+    <p:spTree>
+      <p:nvGrpSpPr>
+        <p:cNvPr id="1" name=""/>
+        <p:cNvGrpSpPr/>
+        <p:nvPr/>
+      </p:nvGrpSpPr>
+      <p:grpSpPr>
+        <a:xfrm>
+          <a:off x="0" y="0"/>
+          <a:ext cx="0" cy="0"/>
+          <a:chOff x="0" y="0"/>
+          <a:chExt cx="0" cy="0"/>
+        </a:xfrm>
+      </p:grpSpPr>
+      <p:sp>
+        <p:nvSpPr>
+          <p:cNvPr id="2" name="Title 1">
+            <a:extLst>
+              <a:ext uri="{FF2B5EF4-FFF2-40B4-BE49-F238E27FC236}">
+                <a16:creationId xmlns:a16="http://schemas.microsoft.com/office/drawing/2014/main" id="{BE6E0408-9B62-4BB3-922C-423EB3AA161B}"/>
+              </a:ext>
+            </a:extLst>
+          </p:cNvPr>
+          <p:cNvSpPr>
+            <a:spLocks noGrp="1"/>
+          </p:cNvSpPr>
+          <p:nvPr>
+            <p:ph type="title"/>
+          </p:nvPr>
+        </p:nvSpPr>
+        <p:spPr/>
+        <p:txBody>
+          <a:bodyPr/>
+          <a:lstStyle/>
+          <a:p>
+            <a:r>
+              <a:rPr lang="en-US" dirty="0"/>
+              <a:t>COVID Impact</a:t>
+            </a:r>
+          </a:p>
+        </p:txBody>
+      </p:sp>
+      <p:pic>
+        <p:nvPicPr>
+          <p:cNvPr id="6" name="Content Placeholder 5">
+            <a:extLst>
+              <a:ext uri="{FF2B5EF4-FFF2-40B4-BE49-F238E27FC236}">
+                <a16:creationId xmlns:a16="http://schemas.microsoft.com/office/drawing/2014/main" id="{ABC48EA2-7162-4CB6-A8C4-EE8DCBFAA41D}"/>
+              </a:ext>
+            </a:extLst>
+          </p:cNvPr>
+          <p:cNvPicPr>
+            <a:picLocks noGrp="1" noChangeAspect="1"/>
+          </p:cNvPicPr>
+          <p:nvPr>
+            <p:ph sz="half" idx="2"/>
+          </p:nvPr>
+        </p:nvPicPr>
+        <p:blipFill>
+          <a:blip r:embed="rId2"/>
+          <a:stretch>
+            <a:fillRect/>
+          </a:stretch>
+        </p:blipFill>
+        <p:spPr>
+          <a:xfrm>
+            <a:off x="1965049" y="1417150"/>
+            <a:ext cx="6953867" cy="4764998"/>
+          </a:xfrm>
+          <a:prstGeom prst="rect">
+            <a:avLst/>
+          </a:prstGeom>
+        </p:spPr>
+      </p:pic>
+    </p:spTree>
+    <p:extLst>
+      <p:ext uri="{BB962C8B-B14F-4D97-AF65-F5344CB8AC3E}">
+        <p14:creationId xmlns:p14="http://schemas.microsoft.com/office/powerpoint/2010/main" val="3128159437"/>
+      </p:ext>
+    </p:extLst>
+  </p:cSld>
+  <p:clrMapOvr>
+    <a:masterClrMapping/>
+  </p:clrMapOvr>
+</p:sld>
+</file>
+
+<file path=ppt/slides/slide4.xml><?xml version="1.0" encoding="utf-8"?>
+<p:sld xmlns:a="http://schemas.openxmlformats.org/drawingml/2006/main" xmlns:r="http://schemas.openxmlformats.org/officeDocument/2006/relationships" xmlns:p="http://schemas.openxmlformats.org/presentationml/2006/main">
+  <p:cSld>
+    <p:spTree>
+      <p:nvGrpSpPr>
+        <p:cNvPr id="1" name=""/>
+        <p:cNvGrpSpPr/>
+        <p:nvPr/>
+      </p:nvGrpSpPr>
+      <p:grpSpPr>
+        <a:xfrm>
+          <a:off x="0" y="0"/>
+          <a:ext cx="0" cy="0"/>
+          <a:chOff x="0" y="0"/>
+          <a:chExt cx="0" cy="0"/>
+        </a:xfrm>
+      </p:grpSpPr>
+      <p:sp>
+        <p:nvSpPr>
+          <p:cNvPr id="2" name="Title 1">
+            <a:extLst>
+              <a:ext uri="{FF2B5EF4-FFF2-40B4-BE49-F238E27FC236}">
+                <a16:creationId xmlns:a16="http://schemas.microsoft.com/office/drawing/2014/main" id="{85881F18-E3C6-42BB-A4A0-863284E74271}"/>
+              </a:ext>
+            </a:extLst>
+          </p:cNvPr>
+          <p:cNvSpPr>
+            <a:spLocks noGrp="1"/>
+          </p:cNvSpPr>
+          <p:nvPr>
+            <p:ph type="title"/>
+          </p:nvPr>
+        </p:nvSpPr>
+        <p:spPr>
+          <a:xfrm>
+            <a:off x="646111" y="452718"/>
+            <a:ext cx="9404723" cy="819491"/>
+          </a:xfrm>
+        </p:spPr>
+        <p:txBody>
+          <a:bodyPr/>
+          <a:lstStyle/>
+          <a:p>
+            <a:r>
+              <a:rPr lang="en-US" dirty="0"/>
+              <a:t>COVID Impact</a:t>
+            </a:r>
+          </a:p>
+        </p:txBody>
+      </p:sp>
+      <p:pic>
+        <p:nvPicPr>
+          <p:cNvPr id="8" name="Picture 7">
+            <a:extLst>
+              <a:ext uri="{FF2B5EF4-FFF2-40B4-BE49-F238E27FC236}">
+                <a16:creationId xmlns:a16="http://schemas.microsoft.com/office/drawing/2014/main" id="{0ACF13BF-9436-4675-941E-D3EA19394770}"/>
+              </a:ext>
+            </a:extLst>
+          </p:cNvPr>
+          <p:cNvPicPr>
+            <a:picLocks noChangeAspect="1"/>
+          </p:cNvPicPr>
+          <p:nvPr/>
+        </p:nvPicPr>
+        <p:blipFill>
+          <a:blip r:embed="rId2"/>
+          <a:stretch>
+            <a:fillRect/>
+          </a:stretch>
+        </p:blipFill>
+        <p:spPr>
+          <a:xfrm>
+            <a:off x="646111" y="2329331"/>
+            <a:ext cx="10583566" cy="2636564"/>
+          </a:xfrm>
+          <a:prstGeom prst="rect">
+            <a:avLst/>
+          </a:prstGeom>
+        </p:spPr>
+      </p:pic>
+    </p:spTree>
+    <p:extLst>
+      <p:ext uri="{BB962C8B-B14F-4D97-AF65-F5344CB8AC3E}">
+        <p14:creationId xmlns:p14="http://schemas.microsoft.com/office/powerpoint/2010/main" val="3149265199"/>
+      </p:ext>
+    </p:extLst>
+  </p:cSld>
+  <p:clrMapOvr>
+    <a:masterClrMapping/>
+  </p:clrMapOvr>
+</p:sld>
+</file>
+
+<file path=ppt/slides/slide5.xml><?xml version="1.0" encoding="utf-8"?>
+<p:sld xmlns:a="http://schemas.openxmlformats.org/drawingml/2006/main" xmlns:r="http://schemas.openxmlformats.org/officeDocument/2006/relationships" xmlns:p="http://schemas.openxmlformats.org/presentationml/2006/main">
+  <p:cSld>
+    <p:spTree>
+      <p:nvGrpSpPr>
+        <p:cNvPr id="1" name=""/>
+        <p:cNvGrpSpPr/>
+        <p:nvPr/>
+      </p:nvGrpSpPr>
+      <p:grpSpPr>
+        <a:xfrm>
+          <a:off x="0" y="0"/>
+          <a:ext cx="0" cy="0"/>
+          <a:chOff x="0" y="0"/>
+          <a:chExt cx="0" cy="0"/>
+        </a:xfrm>
+      </p:grpSpPr>
+      <p:sp>
+        <p:nvSpPr>
+          <p:cNvPr id="2" name="Title 1">
+            <a:extLst>
+              <a:ext uri="{FF2B5EF4-FFF2-40B4-BE49-F238E27FC236}">
+                <a16:creationId xmlns:a16="http://schemas.microsoft.com/office/drawing/2014/main" id="{C4C06C41-EE61-42DF-82A7-6B6F94402D2F}"/>
+              </a:ext>
+            </a:extLst>
+          </p:cNvPr>
+          <p:cNvSpPr>
+            <a:spLocks noGrp="1"/>
+          </p:cNvSpPr>
+          <p:nvPr>
+            <p:ph type="title"/>
+          </p:nvPr>
+        </p:nvSpPr>
+        <p:spPr/>
+        <p:txBody>
+          <a:bodyPr/>
+          <a:lstStyle/>
+          <a:p>
+            <a:r>
+              <a:rPr lang="en-US" dirty="0"/>
+              <a:t>COVID Impact</a:t>
+            </a:r>
+          </a:p>
+        </p:txBody>
+      </p:sp>
+      <p:pic>
+        <p:nvPicPr>
+          <p:cNvPr id="8" name="Content Placeholder 7">
+            <a:extLst>
+              <a:ext uri="{FF2B5EF4-FFF2-40B4-BE49-F238E27FC236}">
+                <a16:creationId xmlns:a16="http://schemas.microsoft.com/office/drawing/2014/main" id="{BD874B38-40EA-4FC9-A5DB-070D4974A53F}"/>
+              </a:ext>
+            </a:extLst>
+          </p:cNvPr>
+          <p:cNvPicPr>
+            <a:picLocks noGrp="1" noChangeAspect="1"/>
+          </p:cNvPicPr>
+          <p:nvPr>
+            <p:ph sz="quarter" idx="4"/>
+          </p:nvPr>
+        </p:nvPicPr>
+        <p:blipFill>
+          <a:blip r:embed="rId2"/>
+          <a:stretch>
+            <a:fillRect/>
+          </a:stretch>
+        </p:blipFill>
+        <p:spPr>
+          <a:xfrm>
+            <a:off x="2683205" y="2146875"/>
+            <a:ext cx="5701140" cy="3916920"/>
+          </a:xfrm>
+          <a:prstGeom prst="rect">
+            <a:avLst/>
+          </a:prstGeom>
+        </p:spPr>
+      </p:pic>
+    </p:spTree>
+    <p:extLst>
+      <p:ext uri="{BB962C8B-B14F-4D97-AF65-F5344CB8AC3E}">
+        <p14:creationId xmlns:p14="http://schemas.microsoft.com/office/powerpoint/2010/main" val="4028675045"/>
+      </p:ext>
+    </p:extLst>
+  </p:cSld>
+  <p:clrMapOvr>
+    <a:masterClrMapping/>
+  </p:clrMapOvr>
+</p:sld>
+</file>
+
+<file path=ppt/slides/slide6.xml><?xml version="1.0" encoding="utf-8"?>
+<p:sld xmlns:a="http://schemas.openxmlformats.org/drawingml/2006/main" xmlns:r="http://schemas.openxmlformats.org/officeDocument/2006/relationships" xmlns:p="http://schemas.openxmlformats.org/presentationml/2006/main">
+  <p:cSld>
+    <p:bg>
+      <p:bgPr>
+        <a:blipFill rotWithShape="1">
+          <a:blip r:embed="rId2">
+            <a:duotone>
+              <a:schemeClr val="bg2">
+                <a:shade val="62000"/>
+                <a:hueMod val="108000"/>
+                <a:satMod val="164000"/>
+                <a:lumMod val="69000"/>
+              </a:schemeClr>
+              <a:schemeClr val="bg2">
+                <a:tint val="96000"/>
+                <a:hueMod val="90000"/>
+                <a:satMod val="130000"/>
+                <a:lumMod val="134000"/>
+              </a:schemeClr>
+            </a:duotone>
+          </a:blip>
+          <a:stretch/>
+        </a:blipFill>
+        <a:effectLst/>
+      </p:bgPr>
+    </p:bg>
+    <p:spTree>
+      <p:nvGrpSpPr>
+        <p:cNvPr id="1" name=""/>
+        <p:cNvGrpSpPr/>
+        <p:nvPr/>
+      </p:nvGrpSpPr>
+      <p:grpSpPr>
+        <a:xfrm>
+          <a:off x="0" y="0"/>
+          <a:ext cx="0" cy="0"/>
+          <a:chOff x="0" y="0"/>
+          <a:chExt cx="0" cy="0"/>
+        </a:xfrm>
+      </p:grpSpPr>
+      <p:sp>
+        <p:nvSpPr>
+          <p:cNvPr id="2" name="Title 1">
+            <a:extLst>
+              <a:ext uri="{FF2B5EF4-FFF2-40B4-BE49-F238E27FC236}">
+                <a16:creationId xmlns:a16="http://schemas.microsoft.com/office/drawing/2014/main" id="{7BD8F16B-4EEF-407F-947A-8254B4B1977E}"/>
+              </a:ext>
+            </a:extLst>
+          </p:cNvPr>
+          <p:cNvSpPr>
+            <a:spLocks noGrp="1"/>
+          </p:cNvSpPr>
+          <p:nvPr>
+            <p:ph type="title"/>
+          </p:nvPr>
+        </p:nvSpPr>
+        <p:spPr>
+          <a:xfrm>
+            <a:off x="413995" y="506436"/>
+            <a:ext cx="9404723" cy="981051"/>
+          </a:xfrm>
+        </p:spPr>
+        <p:txBody>
+          <a:bodyPr vert="horz" lIns="91440" tIns="45720" rIns="91440" bIns="45720" rtlCol="0" anchor="b">
+            <a:normAutofit/>
+          </a:bodyPr>
+          <a:lstStyle/>
+          <a:p>
+            <a:r>
+              <a:rPr lang="en-US" sz="5400" dirty="0"/>
+              <a:t>COVID Impact</a:t>
+            </a:r>
+          </a:p>
+        </p:txBody>
+      </p:sp>
+      <p:pic>
+        <p:nvPicPr>
+          <p:cNvPr id="48" name="Picture 47">
+            <a:extLst>
+              <a:ext uri="{FF2B5EF4-FFF2-40B4-BE49-F238E27FC236}">
+                <a16:creationId xmlns:a16="http://schemas.microsoft.com/office/drawing/2014/main" id="{86F8737F-C2B7-4FB0-A089-EA056C9137A1}"/>
+              </a:ext>
+            </a:extLst>
+          </p:cNvPr>
+          <p:cNvPicPr>
+            <a:picLocks noChangeAspect="1"/>
+          </p:cNvPicPr>
+          <p:nvPr/>
+        </p:nvPicPr>
+        <p:blipFill>
+          <a:blip r:embed="rId3"/>
+          <a:stretch>
+            <a:fillRect/>
+          </a:stretch>
+        </p:blipFill>
+        <p:spPr>
+          <a:xfrm>
+            <a:off x="798078" y="2255098"/>
+            <a:ext cx="10595844" cy="2347803"/>
+          </a:xfrm>
+          <a:prstGeom prst="rect">
+            <a:avLst/>
+          </a:prstGeom>
+        </p:spPr>
+      </p:pic>
+    </p:spTree>
+    <p:extLst>
+      <p:ext uri="{BB962C8B-B14F-4D97-AF65-F5344CB8AC3E}">
+        <p14:creationId xmlns:p14="http://schemas.microsoft.com/office/powerpoint/2010/main" val="3008104623"/>
+      </p:ext>
+    </p:extLst>
+  </p:cSld>
+  <p:clrMapOvr>
+    <a:masterClrMapping/>
+  </p:clrMapOvr>
+</p:sld>
+</file>
+
+<file path=ppt/slides/slide7.xml><?xml version="1.0" encoding="utf-8"?>
+<p:sld xmlns:a="http://schemas.openxmlformats.org/drawingml/2006/main" xmlns:r="http://schemas.openxmlformats.org/officeDocument/2006/relationships" xmlns:p="http://schemas.openxmlformats.org/presentationml/2006/main">
+  <p:cSld>
+    <p:spTree>
+      <p:nvGrpSpPr>
+        <p:cNvPr id="1" name=""/>
+        <p:cNvGrpSpPr/>
+        <p:nvPr/>
+      </p:nvGrpSpPr>
+      <p:grpSpPr>
+        <a:xfrm>
+          <a:off x="0" y="0"/>
+          <a:ext cx="0" cy="0"/>
+          <a:chOff x="0" y="0"/>
+          <a:chExt cx="0" cy="0"/>
+        </a:xfrm>
+      </p:grpSpPr>
+      <p:sp>
+        <p:nvSpPr>
+          <p:cNvPr id="2" name="Title 1">
+            <a:extLst>
+              <a:ext uri="{FF2B5EF4-FFF2-40B4-BE49-F238E27FC236}">
+                <a16:creationId xmlns:a16="http://schemas.microsoft.com/office/drawing/2014/main" id="{5A88C880-B545-432B-BE21-1A622F3A21F6}"/>
+              </a:ext>
+            </a:extLst>
+          </p:cNvPr>
+          <p:cNvSpPr>
+            <a:spLocks noGrp="1"/>
+          </p:cNvSpPr>
+          <p:nvPr>
+            <p:ph type="title"/>
+          </p:nvPr>
+        </p:nvSpPr>
+        <p:spPr/>
+        <p:txBody>
+          <a:bodyPr/>
+          <a:lstStyle/>
+          <a:p>
+            <a:r>
+              <a:rPr lang="en-US" dirty="0"/>
+              <a:t>COVID Impact</a:t>
+            </a:r>
+          </a:p>
+        </p:txBody>
+      </p:sp>
+      <p:pic>
+        <p:nvPicPr>
+          <p:cNvPr id="8" name="Picture 7">
+            <a:extLst>
+              <a:ext uri="{FF2B5EF4-FFF2-40B4-BE49-F238E27FC236}">
+                <a16:creationId xmlns:a16="http://schemas.microsoft.com/office/drawing/2014/main" id="{5A701AC3-0351-4BE0-8BCF-E898881A9486}"/>
+              </a:ext>
+            </a:extLst>
+          </p:cNvPr>
+          <p:cNvPicPr>
+            <a:picLocks noChangeAspect="1"/>
+          </p:cNvPicPr>
+          <p:nvPr/>
+        </p:nvPicPr>
+        <p:blipFill>
+          <a:blip r:embed="rId2"/>
+          <a:stretch>
+            <a:fillRect/>
+          </a:stretch>
+        </p:blipFill>
+        <p:spPr>
+          <a:xfrm>
+            <a:off x="2101778" y="2125121"/>
+            <a:ext cx="6099687" cy="4401990"/>
+          </a:xfrm>
+          <a:prstGeom prst="rect">
+            <a:avLst/>
+          </a:prstGeom>
+          <a:effectLst/>
+        </p:spPr>
+      </p:pic>
+    </p:spTree>
+    <p:extLst>
+      <p:ext uri="{BB962C8B-B14F-4D97-AF65-F5344CB8AC3E}">
+        <p14:creationId xmlns:p14="http://schemas.microsoft.com/office/powerpoint/2010/main" val="316466000"/>
+      </p:ext>
+    </p:extLst>
+  </p:cSld>
+  <p:clrMapOvr>
+    <a:masterClrMapping/>
+  </p:clrMapOvr>
+</p:sld>
+</file>
+
 <file path=ppt/theme/theme1.xml><?xml version="1.0" encoding="utf-8"?>
 <a:theme xmlns:a="http://schemas.openxmlformats.org/drawingml/2006/main" name="Ion">
   <a:themeElements>
